--- a/Documents/StreamAnalysis.pptx
+++ b/Documents/StreamAnalysis.pptx
@@ -288,7 +288,7 @@
           <a:p>
             <a:fld id="{079C16C9-CB93-4A42-A97B-41CD52420C66}" type="datetimeFigureOut">
               <a:rPr lang="en-US" smtClean="0"/>
-              <a:t>11/15/2018</a:t>
+              <a:t>11/16/2018</a:t>
             </a:fld>
             <a:endParaRPr lang="en-US"/>
           </a:p>
@@ -458,7 +458,7 @@
           <a:p>
             <a:fld id="{079C16C9-CB93-4A42-A97B-41CD52420C66}" type="datetimeFigureOut">
               <a:rPr lang="en-US" smtClean="0"/>
-              <a:t>11/15/2018</a:t>
+              <a:t>11/16/2018</a:t>
             </a:fld>
             <a:endParaRPr lang="en-US"/>
           </a:p>
@@ -638,7 +638,7 @@
           <a:p>
             <a:fld id="{079C16C9-CB93-4A42-A97B-41CD52420C66}" type="datetimeFigureOut">
               <a:rPr lang="en-US" smtClean="0"/>
-              <a:t>11/15/2018</a:t>
+              <a:t>11/16/2018</a:t>
             </a:fld>
             <a:endParaRPr lang="en-US"/>
           </a:p>
@@ -808,7 +808,7 @@
           <a:p>
             <a:fld id="{079C16C9-CB93-4A42-A97B-41CD52420C66}" type="datetimeFigureOut">
               <a:rPr lang="en-US" smtClean="0"/>
-              <a:t>11/15/2018</a:t>
+              <a:t>11/16/2018</a:t>
             </a:fld>
             <a:endParaRPr lang="en-US"/>
           </a:p>
@@ -1054,7 +1054,7 @@
           <a:p>
             <a:fld id="{079C16C9-CB93-4A42-A97B-41CD52420C66}" type="datetimeFigureOut">
               <a:rPr lang="en-US" smtClean="0"/>
-              <a:t>11/15/2018</a:t>
+              <a:t>11/16/2018</a:t>
             </a:fld>
             <a:endParaRPr lang="en-US"/>
           </a:p>
@@ -1342,7 +1342,7 @@
           <a:p>
             <a:fld id="{079C16C9-CB93-4A42-A97B-41CD52420C66}" type="datetimeFigureOut">
               <a:rPr lang="en-US" smtClean="0"/>
-              <a:t>11/15/2018</a:t>
+              <a:t>11/16/2018</a:t>
             </a:fld>
             <a:endParaRPr lang="en-US"/>
           </a:p>
@@ -1769,7 +1769,7 @@
           <a:p>
             <a:fld id="{079C16C9-CB93-4A42-A97B-41CD52420C66}" type="datetimeFigureOut">
               <a:rPr lang="en-US" smtClean="0"/>
-              <a:t>11/15/2018</a:t>
+              <a:t>11/16/2018</a:t>
             </a:fld>
             <a:endParaRPr lang="en-US"/>
           </a:p>
@@ -1887,7 +1887,7 @@
           <a:p>
             <a:fld id="{079C16C9-CB93-4A42-A97B-41CD52420C66}" type="datetimeFigureOut">
               <a:rPr lang="en-US" smtClean="0"/>
-              <a:t>11/15/2018</a:t>
+              <a:t>11/16/2018</a:t>
             </a:fld>
             <a:endParaRPr lang="en-US"/>
           </a:p>
@@ -1982,7 +1982,7 @@
           <a:p>
             <a:fld id="{079C16C9-CB93-4A42-A97B-41CD52420C66}" type="datetimeFigureOut">
               <a:rPr lang="en-US" smtClean="0"/>
-              <a:t>11/15/2018</a:t>
+              <a:t>11/16/2018</a:t>
             </a:fld>
             <a:endParaRPr lang="en-US"/>
           </a:p>
@@ -2259,7 +2259,7 @@
           <a:p>
             <a:fld id="{079C16C9-CB93-4A42-A97B-41CD52420C66}" type="datetimeFigureOut">
               <a:rPr lang="en-US" smtClean="0"/>
-              <a:t>11/15/2018</a:t>
+              <a:t>11/16/2018</a:t>
             </a:fld>
             <a:endParaRPr lang="en-US"/>
           </a:p>
@@ -2512,7 +2512,7 @@
           <a:p>
             <a:fld id="{079C16C9-CB93-4A42-A97B-41CD52420C66}" type="datetimeFigureOut">
               <a:rPr lang="en-US" smtClean="0"/>
-              <a:t>11/15/2018</a:t>
+              <a:t>11/16/2018</a:t>
             </a:fld>
             <a:endParaRPr lang="en-US"/>
           </a:p>
@@ -2728,7 +2728,7 @@
           <a:p>
             <a:fld id="{079C16C9-CB93-4A42-A97B-41CD52420C66}" type="datetimeFigureOut">
               <a:rPr lang="en-US" smtClean="0"/>
-              <a:t>11/15/2018</a:t>
+              <a:t>11/16/2018</a:t>
             </a:fld>
             <a:endParaRPr lang="en-US"/>
           </a:p>
@@ -3117,10 +3117,10 @@
         </p:nvGrpSpPr>
         <p:grpSpPr>
           <a:xfrm>
-            <a:off x="4386105" y="1472521"/>
-            <a:ext cx="4768689" cy="4408625"/>
+            <a:off x="4261056" y="1472521"/>
+            <a:ext cx="7548356" cy="4408625"/>
             <a:chOff x="2457450" y="1203325"/>
-            <a:chExt cx="4343400" cy="4343400"/>
+            <a:chExt cx="6875166" cy="4343400"/>
           </a:xfrm>
         </p:grpSpPr>
         <p:pic>
@@ -3174,7 +3174,7 @@
           <p:spPr>
             <a:xfrm>
               <a:off x="2457450" y="1203325"/>
-              <a:ext cx="4343400" cy="4343400"/>
+              <a:ext cx="6875166" cy="4343400"/>
             </a:xfrm>
             <a:prstGeom prst="rect">
               <a:avLst/>
@@ -3238,10 +3238,10 @@
         </p:nvGrpSpPr>
         <p:grpSpPr>
           <a:xfrm>
-            <a:off x="4214652" y="977032"/>
-            <a:ext cx="5067302" cy="5067303"/>
-            <a:chOff x="5041898" y="3978273"/>
-            <a:chExt cx="5067302" cy="5067302"/>
+            <a:off x="4089602" y="977032"/>
+            <a:ext cx="7872209" cy="5067303"/>
+            <a:chOff x="5041897" y="3978273"/>
+            <a:chExt cx="7872209" cy="5067302"/>
           </a:xfrm>
         </p:grpSpPr>
         <p:pic>
@@ -3294,8 +3294,8 @@
           </p:nvSpPr>
           <p:spPr>
             <a:xfrm>
-              <a:off x="5041898" y="3978273"/>
-              <a:ext cx="5067302" cy="5067302"/>
+              <a:off x="5041897" y="3978273"/>
+              <a:ext cx="7872209" cy="5067302"/>
             </a:xfrm>
             <a:prstGeom prst="rect">
               <a:avLst/>
@@ -3359,10 +3359,10 @@
         </p:nvGrpSpPr>
         <p:grpSpPr>
           <a:xfrm>
-            <a:off x="4557553" y="1973804"/>
-            <a:ext cx="4444840" cy="3754943"/>
+            <a:off x="4432504" y="1973804"/>
+            <a:ext cx="7224508" cy="3754943"/>
             <a:chOff x="2997199" y="4565650"/>
-            <a:chExt cx="4368640" cy="3678742"/>
+            <a:chExt cx="7100655" cy="3678742"/>
           </a:xfrm>
         </p:grpSpPr>
         <p:pic>
@@ -3416,7 +3416,7 @@
           <p:spPr>
             <a:xfrm>
               <a:off x="2997199" y="4565650"/>
-              <a:ext cx="4368640" cy="3678742"/>
+              <a:ext cx="7100655" cy="3678742"/>
             </a:xfrm>
             <a:prstGeom prst="rect">
               <a:avLst/>
@@ -3494,7 +3494,7 @@
         </p:blipFill>
         <p:spPr>
           <a:xfrm>
-            <a:off x="4893858" y="3200581"/>
+            <a:off x="4781386" y="3272806"/>
             <a:ext cx="762000" cy="952500"/>
           </a:xfrm>
           <a:prstGeom prst="rect">
@@ -3516,7 +3516,7 @@
         </p:nvGrpSpPr>
         <p:grpSpPr>
           <a:xfrm>
-            <a:off x="379412" y="2453485"/>
+            <a:off x="254363" y="2453485"/>
             <a:ext cx="3200400" cy="2270914"/>
             <a:chOff x="509649" y="4106117"/>
             <a:chExt cx="2637038" cy="1892291"/>
@@ -3637,8 +3637,8 @@
         </p:nvGrpSpPr>
         <p:grpSpPr>
           <a:xfrm>
-            <a:off x="704083" y="3454596"/>
-            <a:ext cx="690974" cy="571500"/>
+            <a:off x="705659" y="3486625"/>
+            <a:ext cx="853120" cy="705610"/>
             <a:chOff x="7753871" y="2118116"/>
             <a:chExt cx="1072750" cy="887265"/>
           </a:xfrm>
@@ -3734,7 +3734,7 @@
         </p:nvSpPr>
         <p:spPr>
           <a:xfrm>
-            <a:off x="2055812" y="3020251"/>
+            <a:off x="1930763" y="3020251"/>
             <a:ext cx="1371600" cy="1551749"/>
           </a:xfrm>
           <a:prstGeom prst="rect">
@@ -3790,82 +3790,6 @@
           </a:p>
         </p:txBody>
       </p:sp>
-      <p:pic>
-        <p:nvPicPr>
-          <p:cNvPr id="84" name="Graphic 101">
-            <a:extLst>
-              <a:ext uri="{FF2B5EF4-FFF2-40B4-BE49-F238E27FC236}">
-                <a16:creationId xmlns="" xmlns:a16="http://schemas.microsoft.com/office/drawing/2014/main" id="{74304D06-FBBE-D143-957F-15D1E80221F0}"/>
-              </a:ext>
-            </a:extLst>
-          </p:cNvPr>
-          <p:cNvPicPr>
-            <a:picLocks noChangeAspect="1"/>
-          </p:cNvPicPr>
-          <p:nvPr/>
-        </p:nvPicPr>
-        <p:blipFill>
-          <a:blip r:embed="rId42">
-            <a:extLst>
-              <a:ext uri="{96DAC541-7B7A-43D3-8B79-37D633B846F1}">
-                <asvg:svgBlip xmlns="" xmlns:asvg="http://schemas.microsoft.com/office/drawing/2016/SVG/main" r:embed="rId45"/>
-              </a:ext>
-            </a:extLst>
-          </a:blip>
-          <a:stretch>
-            <a:fillRect/>
-          </a:stretch>
-        </p:blipFill>
-        <p:spPr>
-          <a:xfrm>
-            <a:off x="10549853" y="2794782"/>
-            <a:ext cx="1143000" cy="1143000"/>
-          </a:xfrm>
-          <a:prstGeom prst="rect">
-            <a:avLst/>
-          </a:prstGeom>
-        </p:spPr>
-      </p:pic>
-      <p:sp>
-        <p:nvSpPr>
-          <p:cNvPr id="85" name="TextBox 84">
-            <a:extLst>
-              <a:ext uri="{FF2B5EF4-FFF2-40B4-BE49-F238E27FC236}">
-                <a16:creationId xmlns="" xmlns:a16="http://schemas.microsoft.com/office/drawing/2014/main" id="{1166C029-FF38-5E4A-A728-84ACD662F0EF}"/>
-              </a:ext>
-            </a:extLst>
-          </p:cNvPr>
-          <p:cNvSpPr txBox="1"/>
-          <p:nvPr/>
-        </p:nvSpPr>
-        <p:spPr>
-          <a:xfrm>
-            <a:off x="10579744" y="3839430"/>
-            <a:ext cx="1072750" cy="261610"/>
-          </a:xfrm>
-          <a:prstGeom prst="rect">
-            <a:avLst/>
-          </a:prstGeom>
-          <a:noFill/>
-        </p:spPr>
-        <p:txBody>
-          <a:bodyPr wrap="square" rtlCol="0">
-            <a:spAutoFit/>
-          </a:bodyPr>
-          <a:lstStyle/>
-          <a:p>
-            <a:pPr algn="ctr"/>
-            <a:r>
-              <a:rPr lang="en-US" sz="1100" dirty="0" smtClean="0">
-                <a:solidFill>
-                  <a:schemeClr val="bg1"/>
-                </a:solidFill>
-              </a:rPr>
-              <a:t>Users</a:t>
-            </a:r>
-          </a:p>
-        </p:txBody>
-      </p:sp>
       <p:grpSp>
         <p:nvGrpSpPr>
           <p:cNvPr id="86" name="Group 85">
@@ -3880,7 +3804,7 @@
         </p:nvGrpSpPr>
         <p:grpSpPr>
           <a:xfrm>
-            <a:off x="2284411" y="3454596"/>
+            <a:off x="2197394" y="3494110"/>
             <a:ext cx="752465" cy="1031278"/>
             <a:chOff x="2471651" y="1928192"/>
             <a:chExt cx="1072750" cy="1470238"/>
@@ -3901,7 +3825,7 @@
             <p:nvPr/>
           </p:nvPicPr>
           <p:blipFill>
-            <a:blip r:embed="rId46">
+            <a:blip r:embed="rId42">
               <a:extLst>
                 <a:ext uri="{96DAC541-7B7A-43D3-8B79-37D633B846F1}">
                   <asvg:svgBlip xmlns="" xmlns:asvg="http://schemas.microsoft.com/office/drawing/2016/SVG/main" r:embed="rId47"/>
@@ -3982,8 +3906,8 @@
         </p:nvCxnSpPr>
         <p:spPr>
           <a:xfrm>
-            <a:off x="1233626" y="3638651"/>
-            <a:ext cx="1126986" cy="0"/>
+            <a:off x="1344998" y="3714959"/>
+            <a:ext cx="966765" cy="0"/>
           </a:xfrm>
           <a:prstGeom prst="straightConnector1">
             <a:avLst/>
@@ -4025,7 +3949,7 @@
         </p:nvCxnSpPr>
         <p:spPr>
           <a:xfrm>
-            <a:off x="2861078" y="3676833"/>
+            <a:off x="2774061" y="3694545"/>
             <a:ext cx="1937934" cy="0"/>
           </a:xfrm>
           <a:prstGeom prst="straightConnector1">
@@ -4068,8 +3992,8 @@
         </p:nvSpPr>
         <p:spPr>
           <a:xfrm>
-            <a:off x="5865812" y="2244376"/>
-            <a:ext cx="2971800" cy="3242024"/>
+            <a:off x="6042264" y="3020251"/>
+            <a:ext cx="1390623" cy="1561070"/>
           </a:xfrm>
           <a:prstGeom prst="rect">
             <a:avLst/>
@@ -4138,7 +4062,7 @@
         </p:nvSpPr>
         <p:spPr>
           <a:xfrm>
-            <a:off x="547826" y="3029572"/>
+            <a:off x="422777" y="3029572"/>
             <a:ext cx="1371600" cy="1551749"/>
           </a:xfrm>
           <a:prstGeom prst="rect">
@@ -4186,6 +4110,351 @@
               </a:rPr>
               <a:t>Data source</a:t>
             </a:r>
+            <a:endParaRPr lang="en-US" sz="1200" dirty="0">
+              <a:solidFill>
+                <a:srgbClr val="B6BABF"/>
+              </a:solidFill>
+            </a:endParaRPr>
+          </a:p>
+        </p:txBody>
+      </p:sp>
+      <p:pic>
+        <p:nvPicPr>
+          <p:cNvPr id="28" name="Graphic 2">
+            <a:extLst>
+              <a:ext uri="{FF2B5EF4-FFF2-40B4-BE49-F238E27FC236}">
+                <a16:creationId xmlns:a16="http://schemas.microsoft.com/office/drawing/2014/main" xmlns="" id="{21113488-E595-8047-A232-89B5718B589A}"/>
+              </a:ext>
+            </a:extLst>
+          </p:cNvPr>
+          <p:cNvPicPr>
+            <a:picLocks noChangeAspect="1"/>
+          </p:cNvPicPr>
+          <p:nvPr/>
+        </p:nvPicPr>
+        <p:blipFill>
+          <a:blip r:embed="rId48">
+            <a:extLst>
+              <a:ext uri="{96DAC541-7B7A-43D3-8B79-37D633B846F1}">
+                <asvg:svgBlip xmlns:asvg="http://schemas.microsoft.com/office/drawing/2016/SVG/main" xmlns="" r:embed="rId49"/>
+              </a:ext>
+            </a:extLst>
+          </a:blip>
+          <a:stretch>
+            <a:fillRect/>
+          </a:stretch>
+        </p:blipFill>
+        <p:spPr>
+          <a:xfrm>
+            <a:off x="8507108" y="2191300"/>
+            <a:ext cx="762000" cy="952500"/>
+          </a:xfrm>
+          <a:prstGeom prst="rect">
+            <a:avLst/>
+          </a:prstGeom>
+        </p:spPr>
+      </p:pic>
+      <p:cxnSp>
+        <p:nvCxnSpPr>
+          <p:cNvPr id="29" name="Straight Arrow Connector 28">
+            <a:extLst>
+              <a:ext uri="{FF2B5EF4-FFF2-40B4-BE49-F238E27FC236}">
+                <a16:creationId xmlns="" xmlns:a16="http://schemas.microsoft.com/office/drawing/2014/main" id="{F7CAD2B3-729C-1841-9582-1A3B541B9FDD}"/>
+              </a:ext>
+            </a:extLst>
+          </p:cNvPr>
+          <p:cNvCxnSpPr/>
+          <p:nvPr/>
+        </p:nvCxnSpPr>
+        <p:spPr>
+          <a:xfrm>
+            <a:off x="5543386" y="3710752"/>
+            <a:ext cx="932026" cy="0"/>
+          </a:xfrm>
+          <a:prstGeom prst="straightConnector1">
+            <a:avLst/>
+          </a:prstGeom>
+          <a:ln w="12700">
+            <a:solidFill>
+              <a:srgbClr val="E6ECEF"/>
+            </a:solidFill>
+            <a:headEnd type="none" w="med" len="sm"/>
+            <a:tailEnd type="arrow" w="med" len="sm"/>
+          </a:ln>
+        </p:spPr>
+        <p:style>
+          <a:lnRef idx="1">
+            <a:schemeClr val="accent1"/>
+          </a:lnRef>
+          <a:fillRef idx="0">
+            <a:schemeClr val="accent1"/>
+          </a:fillRef>
+          <a:effectRef idx="0">
+            <a:schemeClr val="accent1"/>
+          </a:effectRef>
+          <a:fontRef idx="minor">
+            <a:schemeClr val="tx1"/>
+          </a:fontRef>
+        </p:style>
+      </p:cxnSp>
+      <p:grpSp>
+        <p:nvGrpSpPr>
+          <p:cNvPr id="32" name="Group 31">
+            <a:extLst>
+              <a:ext uri="{FF2B5EF4-FFF2-40B4-BE49-F238E27FC236}">
+                <a16:creationId xmlns="" xmlns:a16="http://schemas.microsoft.com/office/drawing/2014/main" id="{4F9A5ECC-5DC8-F44B-AC0C-64539570BBB2}"/>
+              </a:ext>
+            </a:extLst>
+          </p:cNvPr>
+          <p:cNvGrpSpPr/>
+          <p:nvPr/>
+        </p:nvGrpSpPr>
+        <p:grpSpPr>
+          <a:xfrm>
+            <a:off x="6361345" y="3480945"/>
+            <a:ext cx="752465" cy="1031278"/>
+            <a:chOff x="2471651" y="1928192"/>
+            <a:chExt cx="1072750" cy="1470238"/>
+          </a:xfrm>
+        </p:grpSpPr>
+        <p:pic>
+          <p:nvPicPr>
+            <p:cNvPr id="33" name="Graphic 45">
+              <a:extLst>
+                <a:ext uri="{FF2B5EF4-FFF2-40B4-BE49-F238E27FC236}">
+                  <a16:creationId xmlns="" xmlns:a16="http://schemas.microsoft.com/office/drawing/2014/main" id="{E97C2B9F-E140-D446-A15F-EE07E6962FA1}"/>
+                </a:ext>
+              </a:extLst>
+            </p:cNvPr>
+            <p:cNvPicPr>
+              <a:picLocks noChangeAspect="1"/>
+            </p:cNvPicPr>
+            <p:nvPr/>
+          </p:nvPicPr>
+          <p:blipFill>
+            <a:blip r:embed="rId42">
+              <a:extLst>
+                <a:ext uri="{96DAC541-7B7A-43D3-8B79-37D633B846F1}">
+                  <asvg:svgBlip xmlns="" xmlns:asvg="http://schemas.microsoft.com/office/drawing/2016/SVG/main" r:embed="rId47"/>
+                </a:ext>
+              </a:extLst>
+            </a:blip>
+            <a:stretch>
+              <a:fillRect/>
+            </a:stretch>
+          </p:blipFill>
+          <p:spPr>
+            <a:xfrm>
+              <a:off x="2722276" y="1928192"/>
+              <a:ext cx="571500" cy="571500"/>
+            </a:xfrm>
+            <a:prstGeom prst="rect">
+              <a:avLst/>
+            </a:prstGeom>
+          </p:spPr>
+        </p:pic>
+        <p:sp>
+          <p:nvSpPr>
+            <p:cNvPr id="34" name="TextBox 33">
+              <a:extLst>
+                <a:ext uri="{FF2B5EF4-FFF2-40B4-BE49-F238E27FC236}">
+                  <a16:creationId xmlns="" xmlns:a16="http://schemas.microsoft.com/office/drawing/2014/main" id="{FBCD6C4C-F5B1-794D-B252-FB2CAFB142EB}"/>
+                </a:ext>
+              </a:extLst>
+            </p:cNvPr>
+            <p:cNvSpPr txBox="1"/>
+            <p:nvPr/>
+          </p:nvSpPr>
+          <p:spPr>
+            <a:xfrm>
+              <a:off x="2471651" y="2542808"/>
+              <a:ext cx="1072750" cy="855622"/>
+            </a:xfrm>
+            <a:prstGeom prst="rect">
+              <a:avLst/>
+            </a:prstGeom>
+            <a:noFill/>
+          </p:spPr>
+          <p:txBody>
+            <a:bodyPr wrap="square" rtlCol="0">
+              <a:spAutoFit/>
+            </a:bodyPr>
+            <a:lstStyle/>
+            <a:p>
+              <a:pPr algn="ctr"/>
+              <a:r>
+                <a:rPr lang="en-US" sz="1100" dirty="0" smtClean="0">
+                  <a:solidFill>
+                    <a:schemeClr val="bg1"/>
+                  </a:solidFill>
+                </a:rPr>
+                <a:t>Apache ActiveMQ Client</a:t>
+              </a:r>
+              <a:endParaRPr lang="en-US" sz="1100" dirty="0">
+                <a:solidFill>
+                  <a:schemeClr val="bg1"/>
+                </a:solidFill>
+              </a:endParaRPr>
+            </a:p>
+          </p:txBody>
+        </p:sp>
+      </p:grpSp>
+      <p:grpSp>
+        <p:nvGrpSpPr>
+          <p:cNvPr id="35" name="Group 34">
+            <a:extLst>
+              <a:ext uri="{FF2B5EF4-FFF2-40B4-BE49-F238E27FC236}">
+                <a16:creationId xmlns:a16="http://schemas.microsoft.com/office/drawing/2014/main" xmlns="" id="{E16F16FC-1457-DF42-9153-8531DD104486}"/>
+              </a:ext>
+            </a:extLst>
+          </p:cNvPr>
+          <p:cNvGrpSpPr/>
+          <p:nvPr/>
+        </p:nvGrpSpPr>
+        <p:grpSpPr>
+          <a:xfrm>
+            <a:off x="7953300" y="3461231"/>
+            <a:ext cx="712529" cy="668917"/>
+            <a:chOff x="6518995" y="3353653"/>
+            <a:chExt cx="1072750" cy="1007091"/>
+          </a:xfrm>
+        </p:grpSpPr>
+        <p:pic>
+          <p:nvPicPr>
+            <p:cNvPr id="36" name="Graphic 88">
+              <a:extLst>
+                <a:ext uri="{FF2B5EF4-FFF2-40B4-BE49-F238E27FC236}">
+                  <a16:creationId xmlns:a16="http://schemas.microsoft.com/office/drawing/2014/main" xmlns="" id="{56CF2ABA-0964-C744-8500-B969D0A12207}"/>
+                </a:ext>
+              </a:extLst>
+            </p:cNvPr>
+            <p:cNvPicPr>
+              <a:picLocks noChangeAspect="1"/>
+            </p:cNvPicPr>
+            <p:nvPr/>
+          </p:nvPicPr>
+          <p:blipFill>
+            <a:blip r:embed="rId50">
+              <a:extLst>
+                <a:ext uri="{96DAC541-7B7A-43D3-8B79-37D633B846F1}">
+                  <asvg:svgBlip xmlns:asvg="http://schemas.microsoft.com/office/drawing/2016/SVG/main" xmlns="" r:embed="rId33"/>
+                </a:ext>
+              </a:extLst>
+            </a:blip>
+            <a:stretch>
+              <a:fillRect/>
+            </a:stretch>
+          </p:blipFill>
+          <p:spPr>
+            <a:xfrm>
+              <a:off x="6769620" y="3353653"/>
+              <a:ext cx="571500" cy="571500"/>
+            </a:xfrm>
+            <a:prstGeom prst="rect">
+              <a:avLst/>
+            </a:prstGeom>
+          </p:spPr>
+        </p:pic>
+        <p:sp>
+          <p:nvSpPr>
+            <p:cNvPr id="37" name="TextBox 36">
+              <a:extLst>
+                <a:ext uri="{FF2B5EF4-FFF2-40B4-BE49-F238E27FC236}">
+                  <a16:creationId xmlns:a16="http://schemas.microsoft.com/office/drawing/2014/main" xmlns="" id="{1AD8887C-1FD1-0B4D-998D-25C4B9D48539}"/>
+                </a:ext>
+              </a:extLst>
+            </p:cNvPr>
+            <p:cNvSpPr txBox="1"/>
+            <p:nvPr/>
+          </p:nvSpPr>
+          <p:spPr>
+            <a:xfrm>
+              <a:off x="6518995" y="3966876"/>
+              <a:ext cx="1072750" cy="393868"/>
+            </a:xfrm>
+            <a:prstGeom prst="rect">
+              <a:avLst/>
+            </a:prstGeom>
+            <a:noFill/>
+          </p:spPr>
+          <p:txBody>
+            <a:bodyPr wrap="square" rtlCol="0">
+              <a:spAutoFit/>
+            </a:bodyPr>
+            <a:lstStyle/>
+            <a:p>
+              <a:pPr algn="ctr"/>
+              <a:r>
+                <a:rPr lang="en-US" sz="1100" dirty="0" smtClean="0">
+                  <a:solidFill>
+                    <a:schemeClr val="bg1"/>
+                  </a:solidFill>
+                </a:rPr>
+                <a:t>Web App</a:t>
+              </a:r>
+              <a:endParaRPr lang="en-US" sz="1100" dirty="0">
+                <a:solidFill>
+                  <a:schemeClr val="bg1"/>
+                </a:solidFill>
+              </a:endParaRPr>
+            </a:p>
+          </p:txBody>
+        </p:sp>
+      </p:grpSp>
+      <p:sp>
+        <p:nvSpPr>
+          <p:cNvPr id="38" name="Rectangle 37">
+            <a:extLst>
+              <a:ext uri="{FF2B5EF4-FFF2-40B4-BE49-F238E27FC236}">
+                <a16:creationId xmlns:a16="http://schemas.microsoft.com/office/drawing/2014/main" xmlns="" id="{035914FF-E165-D542-832B-EF8857631040}"/>
+              </a:ext>
+            </a:extLst>
+          </p:cNvPr>
+          <p:cNvSpPr/>
+          <p:nvPr/>
+        </p:nvSpPr>
+        <p:spPr>
+          <a:xfrm>
+            <a:off x="5887021" y="2191300"/>
+            <a:ext cx="3382087" cy="3413795"/>
+          </a:xfrm>
+          <a:prstGeom prst="rect">
+            <a:avLst/>
+          </a:prstGeom>
+          <a:noFill/>
+          <a:ln w="12700">
+            <a:solidFill>
+              <a:srgbClr val="B6BABF"/>
+            </a:solidFill>
+            <a:prstDash val="dash"/>
+          </a:ln>
+        </p:spPr>
+        <p:style>
+          <a:lnRef idx="2">
+            <a:schemeClr val="accent1">
+              <a:shade val="50000"/>
+            </a:schemeClr>
+          </a:lnRef>
+          <a:fillRef idx="1">
+            <a:schemeClr val="accent1"/>
+          </a:fillRef>
+          <a:effectRef idx="0">
+            <a:schemeClr val="accent1"/>
+          </a:effectRef>
+          <a:fontRef idx="minor">
+            <a:schemeClr val="lt1"/>
+          </a:fontRef>
+        </p:style>
+        <p:txBody>
+          <a:bodyPr rot="0" spcFirstLastPara="0" vertOverflow="overflow" horzOverflow="overflow" vert="horz" wrap="square" lIns="91440" tIns="91440" rIns="91440" bIns="45720" numCol="1" spcCol="0" rtlCol="0" fromWordArt="0" anchor="t" anchorCtr="0" forceAA="0" compatLnSpc="1">
+            <a:prstTxWarp prst="textNoShape">
+              <a:avLst/>
+            </a:prstTxWarp>
+            <a:noAutofit/>
+          </a:bodyPr>
+          <a:lstStyle/>
+          <a:p>
+            <a:pPr algn="ctr"/>
             <a:endParaRPr lang="en-US" sz="1200" dirty="0">
               <a:solidFill>
                 <a:srgbClr val="B6BABF"/>
